--- a/ppt/Rozpoznanie tónov hry na klavíri(2).pptx
+++ b/ppt/Rozpoznanie tónov hry na klavíri(2).pptx
@@ -138,7 +138,7 @@
 <file path=ppt/revisionInfo.xml><?xml version="1.0" encoding="utf-8"?>
 <p1510:revInfo xmlns:a="http://schemas.openxmlformats.org/drawingml/2006/main" xmlns:r="http://schemas.openxmlformats.org/officeDocument/2006/relationships" xmlns:p1510="http://schemas.microsoft.com/office/powerpoint/2015/10/main">
   <p1510:revLst>
-    <p1510:client id="{00BD0EAB-6E06-47AB-AF19-A1D5BE896227}" v="35" dt="2020-03-29T20:51:54.046"/>
+    <p1510:client id="{32CC1DF4-12A8-445C-9563-2EE35C63E5E6}" v="1" dt="2020-06-18T07:13:13.766"/>
   </p1510:revLst>
 </p1510:revInfo>
 </file>
@@ -446,6 +446,30 @@
           <pc:docMk/>
           <pc:sldMk cId="4228095919" sldId="265"/>
         </pc:sldMkLst>
+      </pc:sldChg>
+    </pc:docChg>
+  </pc:docChgLst>
+  <pc:docChgLst>
+    <pc:chgData name="Šimon Babál" userId="a89ba8ca0e9beb01" providerId="LiveId" clId="{32CC1DF4-12A8-445C-9563-2EE35C63E5E6}"/>
+    <pc:docChg chg="modSld">
+      <pc:chgData name="Šimon Babál" userId="a89ba8ca0e9beb01" providerId="LiveId" clId="{32CC1DF4-12A8-445C-9563-2EE35C63E5E6}" dt="2020-06-18T07:13:13.761" v="0"/>
+      <pc:docMkLst>
+        <pc:docMk/>
+      </pc:docMkLst>
+      <pc:sldChg chg="modSp">
+        <pc:chgData name="Šimon Babál" userId="a89ba8ca0e9beb01" providerId="LiveId" clId="{32CC1DF4-12A8-445C-9563-2EE35C63E5E6}" dt="2020-06-18T07:13:13.761" v="0"/>
+        <pc:sldMkLst>
+          <pc:docMk/>
+          <pc:sldMk cId="1361062466" sldId="260"/>
+        </pc:sldMkLst>
+        <pc:spChg chg="mod">
+          <ac:chgData name="Šimon Babál" userId="a89ba8ca0e9beb01" providerId="LiveId" clId="{32CC1DF4-12A8-445C-9563-2EE35C63E5E6}" dt="2020-06-18T07:13:13.761" v="0"/>
+          <ac:spMkLst>
+            <pc:docMk/>
+            <pc:sldMk cId="1361062466" sldId="260"/>
+            <ac:spMk id="3" creationId="{B9705B6A-0E49-4A90-91A2-3E8391BF538D}"/>
+          </ac:spMkLst>
+        </pc:spChg>
       </pc:sldChg>
     </pc:docChg>
   </pc:docChgLst>
@@ -1326,7 +1350,7 @@
           <a:p>
             <a:fld id="{55AA4A79-163C-41AF-93A8-40E55156340C}" type="datetimeFigureOut">
               <a:rPr lang="en-US" smtClean="0"/>
-              <a:t>3/27/2020</a:t>
+              <a:t>6/18/2020</a:t>
             </a:fld>
             <a:endParaRPr lang="en-US"/>
           </a:p>
@@ -1786,7 +1810,7 @@
             <a:fld id="{B61BEF0D-F0BB-DE4B-95CE-6DB70DBA9567}" type="datetimeFigureOut">
               <a:rPr lang="en-US" dirty="0"/>
               <a:pPr/>
-              <a:t>3/27/2020</a:t>
+              <a:t>6/18/2020</a:t>
             </a:fld>
             <a:endParaRPr lang="en-US" dirty="0"/>
           </a:p>
@@ -2219,7 +2243,7 @@
             <a:fld id="{B61BEF0D-F0BB-DE4B-95CE-6DB70DBA9567}" type="datetimeFigureOut">
               <a:rPr lang="en-US" dirty="0"/>
               <a:pPr/>
-              <a:t>3/27/2020</a:t>
+              <a:t>6/18/2020</a:t>
             </a:fld>
             <a:endParaRPr lang="en-US" dirty="0"/>
           </a:p>
@@ -2466,7 +2490,7 @@
             <a:fld id="{B61BEF0D-F0BB-DE4B-95CE-6DB70DBA9567}" type="datetimeFigureOut">
               <a:rPr lang="en-US" dirty="0"/>
               <a:pPr/>
-              <a:t>3/27/2020</a:t>
+              <a:t>6/18/2020</a:t>
             </a:fld>
             <a:endParaRPr lang="en-US" dirty="0"/>
           </a:p>
@@ -2771,7 +2795,7 @@
             <a:fld id="{B61BEF0D-F0BB-DE4B-95CE-6DB70DBA9567}" type="datetimeFigureOut">
               <a:rPr lang="en-US" dirty="0"/>
               <a:pPr/>
-              <a:t>3/27/2020</a:t>
+              <a:t>6/18/2020</a:t>
             </a:fld>
             <a:endParaRPr lang="en-US" dirty="0"/>
           </a:p>
@@ -3086,7 +3110,7 @@
             <a:fld id="{B61BEF0D-F0BB-DE4B-95CE-6DB70DBA9567}" type="datetimeFigureOut">
               <a:rPr lang="en-US" dirty="0"/>
               <a:pPr/>
-              <a:t>3/27/2020</a:t>
+              <a:t>6/18/2020</a:t>
             </a:fld>
             <a:endParaRPr lang="en-US" dirty="0"/>
           </a:p>
@@ -3385,7 +3409,7 @@
             <a:fld id="{B61BEF0D-F0BB-DE4B-95CE-6DB70DBA9567}" type="datetimeFigureOut">
               <a:rPr lang="en-US" dirty="0"/>
               <a:pPr/>
-              <a:t>3/27/2020</a:t>
+              <a:t>6/18/2020</a:t>
             </a:fld>
             <a:endParaRPr lang="en-US" dirty="0"/>
           </a:p>
@@ -3749,7 +3773,7 @@
             <a:fld id="{B61BEF0D-F0BB-DE4B-95CE-6DB70DBA9567}" type="datetimeFigureOut">
               <a:rPr lang="en-US" dirty="0"/>
               <a:pPr/>
-              <a:t>3/27/2020</a:t>
+              <a:t>6/18/2020</a:t>
             </a:fld>
             <a:endParaRPr lang="en-US" dirty="0"/>
           </a:p>
@@ -3920,7 +3944,7 @@
             <a:fld id="{B61BEF0D-F0BB-DE4B-95CE-6DB70DBA9567}" type="datetimeFigureOut">
               <a:rPr lang="en-US" dirty="0"/>
               <a:pPr/>
-              <a:t>3/27/2020</a:t>
+              <a:t>6/18/2020</a:t>
             </a:fld>
             <a:endParaRPr lang="en-US" dirty="0"/>
           </a:p>
@@ -4097,7 +4121,7 @@
             <a:fld id="{B61BEF0D-F0BB-DE4B-95CE-6DB70DBA9567}" type="datetimeFigureOut">
               <a:rPr lang="en-US" dirty="0"/>
               <a:pPr/>
-              <a:t>3/27/2020</a:t>
+              <a:t>6/18/2020</a:t>
             </a:fld>
             <a:endParaRPr lang="en-US" dirty="0"/>
           </a:p>
@@ -4264,7 +4288,7 @@
             <a:fld id="{B61BEF0D-F0BB-DE4B-95CE-6DB70DBA9567}" type="datetimeFigureOut">
               <a:rPr lang="en-US" dirty="0"/>
               <a:pPr/>
-              <a:t>3/27/2020</a:t>
+              <a:t>6/18/2020</a:t>
             </a:fld>
             <a:endParaRPr lang="en-US" dirty="0"/>
           </a:p>
@@ -4511,7 +4535,7 @@
             <a:fld id="{B61BEF0D-F0BB-DE4B-95CE-6DB70DBA9567}" type="datetimeFigureOut">
               <a:rPr lang="en-US" dirty="0"/>
               <a:pPr/>
-              <a:t>3/27/2020</a:t>
+              <a:t>6/18/2020</a:t>
             </a:fld>
             <a:endParaRPr lang="en-US" dirty="0"/>
           </a:p>
@@ -4744,7 +4768,7 @@
             <a:fld id="{B61BEF0D-F0BB-DE4B-95CE-6DB70DBA9567}" type="datetimeFigureOut">
               <a:rPr lang="en-US" dirty="0"/>
               <a:pPr/>
-              <a:t>3/27/2020</a:t>
+              <a:t>6/18/2020</a:t>
             </a:fld>
             <a:endParaRPr lang="en-US" dirty="0"/>
           </a:p>
@@ -5123,7 +5147,7 @@
             <a:fld id="{B61BEF0D-F0BB-DE4B-95CE-6DB70DBA9567}" type="datetimeFigureOut">
               <a:rPr lang="en-US" dirty="0"/>
               <a:pPr/>
-              <a:t>3/27/2020</a:t>
+              <a:t>6/18/2020</a:t>
             </a:fld>
             <a:endParaRPr lang="en-US" dirty="0"/>
           </a:p>
@@ -5238,7 +5262,7 @@
             <a:fld id="{B61BEF0D-F0BB-DE4B-95CE-6DB70DBA9567}" type="datetimeFigureOut">
               <a:rPr lang="en-US" dirty="0"/>
               <a:pPr/>
-              <a:t>3/27/2020</a:t>
+              <a:t>6/18/2020</a:t>
             </a:fld>
             <a:endParaRPr lang="en-US" dirty="0"/>
           </a:p>
@@ -5330,7 +5354,7 @@
             <a:fld id="{B61BEF0D-F0BB-DE4B-95CE-6DB70DBA9567}" type="datetimeFigureOut">
               <a:rPr lang="en-US" dirty="0"/>
               <a:pPr/>
-              <a:t>3/27/2020</a:t>
+              <a:t>6/18/2020</a:t>
             </a:fld>
             <a:endParaRPr lang="en-US" dirty="0"/>
           </a:p>
@@ -5582,7 +5606,7 @@
             <a:fld id="{B61BEF0D-F0BB-DE4B-95CE-6DB70DBA9567}" type="datetimeFigureOut">
               <a:rPr lang="en-US" dirty="0"/>
               <a:pPr/>
-              <a:t>3/27/2020</a:t>
+              <a:t>6/18/2020</a:t>
             </a:fld>
             <a:endParaRPr lang="en-US" dirty="0"/>
           </a:p>
@@ -5862,7 +5886,7 @@
             <a:fld id="{B61BEF0D-F0BB-DE4B-95CE-6DB70DBA9567}" type="datetimeFigureOut">
               <a:rPr lang="en-US" dirty="0"/>
               <a:pPr/>
-              <a:t>3/27/2020</a:t>
+              <a:t>6/18/2020</a:t>
             </a:fld>
             <a:endParaRPr lang="en-US" dirty="0"/>
           </a:p>
@@ -6265,7 +6289,7 @@
             <a:fld id="{B61BEF0D-F0BB-DE4B-95CE-6DB70DBA9567}" type="datetimeFigureOut">
               <a:rPr lang="en-US" dirty="0"/>
               <a:pPr/>
-              <a:t>3/27/2020</a:t>
+              <a:t>6/18/2020</a:t>
             </a:fld>
             <a:endParaRPr lang="en-US" dirty="0"/>
           </a:p>
@@ -7144,37 +7168,6 @@
               <a:rPr lang="sk-SK" dirty="0"/>
               <a:t>Získavanie obrazu</a:t>
             </a:r>
-          </a:p>
-          <a:p>
-            <a:r>
-              <a:rPr lang="sk-SK" dirty="0"/>
-              <a:t>Predspracovanie pozadia a detekcia čiernych a bielych kláves a priradenie jednotlivých tónov ku klávesom</a:t>
-            </a:r>
-          </a:p>
-          <a:p>
-            <a:r>
-              <a:rPr lang="sk-SK" dirty="0"/>
-              <a:t>Rozpoznávanie stlačených kláves vo videu</a:t>
-            </a:r>
-          </a:p>
-          <a:p>
-            <a:r>
-              <a:rPr lang="sk-SK" dirty="0"/>
-              <a:t>Uloženie záznamu o stlačených klávesoch vo formáte .</a:t>
-            </a:r>
-            <a:r>
-              <a:rPr lang="sk-SK" dirty="0" err="1"/>
-              <a:t>midi</a:t>
-            </a:r>
-            <a:r>
-              <a:rPr lang="sk-SK" dirty="0"/>
-              <a:t> a .</a:t>
-            </a:r>
-            <a:r>
-              <a:rPr lang="sk-SK" dirty="0" err="1"/>
-              <a:t>musicxml</a:t>
-            </a:r>
-            <a:endParaRPr lang="sk-SK" dirty="0"/>
           </a:p>
           <a:p>
             <a:endParaRPr lang="sk-SK" dirty="0"/>
